--- a/docs/2. git 기본 개념.pptx
+++ b/docs/2. git 기본 개념.pptx
@@ -244,7 +244,7 @@
           <a:p>
             <a:fld id="{EFBA5509-D1D1-47CF-BFB7-E1AA9548D41D}" type="datetimeFigureOut">
               <a:rPr lang="ko-KR" altLang="en-US" smtClean="0"/>
-              <a:t>2022-11-17</a:t>
+              <a:t>2022-11-26</a:t>
             </a:fld>
             <a:endParaRPr lang="ko-KR" altLang="en-US"/>
           </a:p>
@@ -1671,7 +1671,7 @@
           <a:p>
             <a:fld id="{2E2D5BC7-3CC9-4CF8-9043-E85E9F2EC4FF}" type="datetimeFigureOut">
               <a:rPr lang="ko-KR" altLang="en-US" smtClean="0"/>
-              <a:t>2022-11-17</a:t>
+              <a:t>2022-11-26</a:t>
             </a:fld>
             <a:endParaRPr lang="ko-KR" altLang="en-US"/>
           </a:p>
@@ -1869,7 +1869,7 @@
           <a:p>
             <a:fld id="{2E2D5BC7-3CC9-4CF8-9043-E85E9F2EC4FF}" type="datetimeFigureOut">
               <a:rPr lang="ko-KR" altLang="en-US" smtClean="0"/>
-              <a:t>2022-11-17</a:t>
+              <a:t>2022-11-26</a:t>
             </a:fld>
             <a:endParaRPr lang="ko-KR" altLang="en-US"/>
           </a:p>
@@ -2077,7 +2077,7 @@
           <a:p>
             <a:fld id="{2E2D5BC7-3CC9-4CF8-9043-E85E9F2EC4FF}" type="datetimeFigureOut">
               <a:rPr lang="ko-KR" altLang="en-US" smtClean="0"/>
-              <a:t>2022-11-17</a:t>
+              <a:t>2022-11-26</a:t>
             </a:fld>
             <a:endParaRPr lang="ko-KR" altLang="en-US"/>
           </a:p>
@@ -2275,7 +2275,7 @@
           <a:p>
             <a:fld id="{2E2D5BC7-3CC9-4CF8-9043-E85E9F2EC4FF}" type="datetimeFigureOut">
               <a:rPr lang="ko-KR" altLang="en-US" smtClean="0"/>
-              <a:t>2022-11-17</a:t>
+              <a:t>2022-11-26</a:t>
             </a:fld>
             <a:endParaRPr lang="ko-KR" altLang="en-US"/>
           </a:p>
@@ -2550,7 +2550,7 @@
           <a:p>
             <a:fld id="{2E2D5BC7-3CC9-4CF8-9043-E85E9F2EC4FF}" type="datetimeFigureOut">
               <a:rPr lang="ko-KR" altLang="en-US" smtClean="0"/>
-              <a:t>2022-11-17</a:t>
+              <a:t>2022-11-26</a:t>
             </a:fld>
             <a:endParaRPr lang="ko-KR" altLang="en-US"/>
           </a:p>
@@ -2815,7 +2815,7 @@
           <a:p>
             <a:fld id="{2E2D5BC7-3CC9-4CF8-9043-E85E9F2EC4FF}" type="datetimeFigureOut">
               <a:rPr lang="ko-KR" altLang="en-US" smtClean="0"/>
-              <a:t>2022-11-17</a:t>
+              <a:t>2022-11-26</a:t>
             </a:fld>
             <a:endParaRPr lang="ko-KR" altLang="en-US"/>
           </a:p>
@@ -3227,7 +3227,7 @@
           <a:p>
             <a:fld id="{2E2D5BC7-3CC9-4CF8-9043-E85E9F2EC4FF}" type="datetimeFigureOut">
               <a:rPr lang="ko-KR" altLang="en-US" smtClean="0"/>
-              <a:t>2022-11-17</a:t>
+              <a:t>2022-11-26</a:t>
             </a:fld>
             <a:endParaRPr lang="ko-KR" altLang="en-US"/>
           </a:p>
@@ -3368,7 +3368,7 @@
           <a:p>
             <a:fld id="{2E2D5BC7-3CC9-4CF8-9043-E85E9F2EC4FF}" type="datetimeFigureOut">
               <a:rPr lang="ko-KR" altLang="en-US" smtClean="0"/>
-              <a:t>2022-11-17</a:t>
+              <a:t>2022-11-26</a:t>
             </a:fld>
             <a:endParaRPr lang="ko-KR" altLang="en-US"/>
           </a:p>
@@ -3481,7 +3481,7 @@
           <a:p>
             <a:fld id="{2E2D5BC7-3CC9-4CF8-9043-E85E9F2EC4FF}" type="datetimeFigureOut">
               <a:rPr lang="ko-KR" altLang="en-US" smtClean="0"/>
-              <a:t>2022-11-17</a:t>
+              <a:t>2022-11-26</a:t>
             </a:fld>
             <a:endParaRPr lang="ko-KR" altLang="en-US"/>
           </a:p>
@@ -3792,7 +3792,7 @@
           <a:p>
             <a:fld id="{2E2D5BC7-3CC9-4CF8-9043-E85E9F2EC4FF}" type="datetimeFigureOut">
               <a:rPr lang="ko-KR" altLang="en-US" smtClean="0"/>
-              <a:t>2022-11-17</a:t>
+              <a:t>2022-11-26</a:t>
             </a:fld>
             <a:endParaRPr lang="ko-KR" altLang="en-US"/>
           </a:p>
@@ -4080,7 +4080,7 @@
           <a:p>
             <a:fld id="{2E2D5BC7-3CC9-4CF8-9043-E85E9F2EC4FF}" type="datetimeFigureOut">
               <a:rPr lang="ko-KR" altLang="en-US" smtClean="0"/>
-              <a:t>2022-11-17</a:t>
+              <a:t>2022-11-26</a:t>
             </a:fld>
             <a:endParaRPr lang="ko-KR" altLang="en-US"/>
           </a:p>
@@ -4321,7 +4321,7 @@
           <a:p>
             <a:fld id="{2E2D5BC7-3CC9-4CF8-9043-E85E9F2EC4FF}" type="datetimeFigureOut">
               <a:rPr lang="ko-KR" altLang="en-US" smtClean="0"/>
-              <a:t>2022-11-17</a:t>
+              <a:t>2022-11-26</a:t>
             </a:fld>
             <a:endParaRPr lang="ko-KR" altLang="en-US"/>
           </a:p>
@@ -23528,7 +23528,7 @@
         <p:spPr>
           <a:xfrm>
             <a:off x="243444" y="3487854"/>
-            <a:ext cx="5184561" cy="369332"/>
+            <a:ext cx="7436651" cy="369332"/>
           </a:xfrm>
           <a:prstGeom prst="rect">
             <a:avLst/>
@@ -23541,6 +23541,15 @@
           </a:bodyPr>
           <a:lstStyle/>
           <a:p>
+            <a:r>
+              <a:rPr lang="ko-KR" altLang="en-US" dirty="0">
+                <a:solidFill>
+                  <a:srgbClr val="222222"/>
+                </a:solidFill>
+                <a:latin typeface="Noto Sans Medium"/>
+              </a:rPr>
+              <a:t>정호영</a:t>
+            </a:r>
             <a:r>
               <a:rPr lang="en-US" altLang="ko-KR" dirty="0">
                 <a:solidFill>
@@ -23548,7 +23557,34 @@
                 </a:solidFill>
                 <a:latin typeface="Noto Sans Medium"/>
               </a:rPr>
-              <a:t>“</a:t>
+              <a:t>·</a:t>
+            </a:r>
+            <a:r>
+              <a:rPr lang="ko-KR" altLang="en-US" dirty="0">
+                <a:solidFill>
+                  <a:srgbClr val="222222"/>
+                </a:solidFill>
+                <a:latin typeface="Noto Sans Medium"/>
+              </a:rPr>
+              <a:t> </a:t>
+            </a:r>
+            <a:r>
+              <a:rPr lang="ko-KR" altLang="en-US" dirty="0" err="1">
+                <a:solidFill>
+                  <a:srgbClr val="222222"/>
+                </a:solidFill>
+                <a:latin typeface="Noto Sans Medium"/>
+              </a:rPr>
+              <a:t>진유림</a:t>
+            </a:r>
+            <a:r>
+              <a:rPr lang="en-US" altLang="ko-KR" dirty="0">
+                <a:solidFill>
+                  <a:srgbClr val="222222"/>
+                </a:solidFill>
+                <a:latin typeface="Noto Sans Medium"/>
+              </a:rPr>
+              <a:t>, 『</a:t>
             </a:r>
             <a:r>
               <a:rPr lang="ko-KR" altLang="en-US" dirty="0">
@@ -23575,7 +23611,7 @@
                 </a:solidFill>
                 <a:latin typeface="Noto Sans Medium"/>
               </a:rPr>
-              <a:t>시작하기</a:t>
+              <a:t>시작하기 </a:t>
             </a:r>
             <a:r>
               <a:rPr lang="en-US" altLang="ko-KR" dirty="0">
@@ -23584,7 +23620,7 @@
                 </a:solidFill>
                 <a:latin typeface="Noto Sans Medium"/>
               </a:rPr>
-              <a:t> ”, </a:t>
+              <a:t>』, </a:t>
             </a:r>
             <a:r>
               <a:rPr lang="ko-KR" altLang="en-US" dirty="0" err="1">
@@ -23594,6 +23630,15 @@
                 <a:latin typeface="Noto Sans Medium"/>
               </a:rPr>
               <a:t>한빛미디어</a:t>
+            </a:r>
+            <a:r>
+              <a:rPr lang="en-US" altLang="ko-KR" dirty="0">
+                <a:solidFill>
+                  <a:srgbClr val="222222"/>
+                </a:solidFill>
+                <a:latin typeface="Noto Sans Medium"/>
+              </a:rPr>
+              <a:t>, 2020.</a:t>
             </a:r>
             <a:endParaRPr lang="ko-KR" altLang="en-US" b="0" i="0" dirty="0">
               <a:solidFill>
